--- a/제안서/강태규/졸업작품_제안서_2.2.0ver.pptx
+++ b/제안서/강태규/졸업작품_제안서_2.2.0ver.pptx
@@ -17,6 +17,7 @@
     <p:sldId id="267" r:id="rId11"/>
     <p:sldId id="268" r:id="rId12"/>
     <p:sldId id="269" r:id="rId13"/>
+    <p:sldId id="270" r:id="rId14"/>
   </p:sldIdLst>
   <p:sldSz cx="12192000" cy="6858000"/>
   <p:notesSz cx="6858000" cy="9144000"/>
@@ -121,6 +122,10 @@
     </p:ext>
   </p:extLst>
 </p:presentation>
+</file>
+
+<file path=ppt/revisionInfo.xml><?xml version="1.0" encoding="utf-8"?>
+<p1510:revInfo xmlns:a="http://schemas.openxmlformats.org/drawingml/2006/main" xmlns:r="http://schemas.openxmlformats.org/officeDocument/2006/relationships" xmlns:p1510="http://schemas.microsoft.com/office/powerpoint/2015/10/main"/>
 </file>
 
 <file path=ppt/slideLayouts/slideLayout1.xml><?xml version="1.0" encoding="utf-8"?>
@@ -5832,6 +5837,161 @@
     <p:extLst>
       <p:ext uri="{BB962C8B-B14F-4D97-AF65-F5344CB8AC3E}">
         <p14:creationId xmlns:p14="http://schemas.microsoft.com/office/powerpoint/2010/main" val="2260772294"/>
+      </p:ext>
+    </p:extLst>
+  </p:cSld>
+  <p:clrMapOvr>
+    <a:masterClrMapping/>
+  </p:clrMapOvr>
+</p:sld>
+</file>
+
+<file path=ppt/slides/slide13.xml><?xml version="1.0" encoding="utf-8"?>
+<p:sld xmlns:a="http://schemas.openxmlformats.org/drawingml/2006/main" xmlns:r="http://schemas.openxmlformats.org/officeDocument/2006/relationships" xmlns:p="http://schemas.openxmlformats.org/presentationml/2006/main">
+  <p:cSld>
+    <p:spTree>
+      <p:nvGrpSpPr>
+        <p:cNvPr id="1" name=""/>
+        <p:cNvGrpSpPr/>
+        <p:nvPr/>
+      </p:nvGrpSpPr>
+      <p:grpSpPr>
+        <a:xfrm>
+          <a:off x="0" y="0"/>
+          <a:ext cx="0" cy="0"/>
+          <a:chOff x="0" y="0"/>
+          <a:chExt cx="0" cy="0"/>
+        </a:xfrm>
+      </p:grpSpPr>
+      <p:sp>
+        <p:nvSpPr>
+          <p:cNvPr id="2" name="제목 1">
+            <a:extLst>
+              <a:ext uri="{FF2B5EF4-FFF2-40B4-BE49-F238E27FC236}">
+                <a16:creationId xmlns:a16="http://schemas.microsoft.com/office/drawing/2014/main" id="{E85F2963-DF38-48DB-8D88-9C3F532BA14E}"/>
+              </a:ext>
+            </a:extLst>
+          </p:cNvPr>
+          <p:cNvSpPr>
+            <a:spLocks noGrp="1"/>
+          </p:cNvSpPr>
+          <p:nvPr>
+            <p:ph type="title"/>
+          </p:nvPr>
+        </p:nvSpPr>
+        <p:spPr/>
+        <p:txBody>
+          <a:bodyPr/>
+          <a:lstStyle/>
+          <a:p>
+            <a:pPr marL="571500" indent="-571500">
+              <a:buFont typeface="Arial" panose="020B0604020202020204" pitchFamily="34" charset="0"/>
+              <a:buChar char="•"/>
+            </a:pPr>
+            <a:r>
+              <a:rPr lang="ko-KR" altLang="en-US" dirty="0"/>
+              <a:t>게임 설명 </a:t>
+            </a:r>
+            <a:r>
+              <a:rPr lang="en-US" altLang="ko-KR" dirty="0"/>
+              <a:t>– </a:t>
+            </a:r>
+            <a:r>
+              <a:rPr lang="ko-KR" altLang="en-US" dirty="0"/>
+              <a:t>점수 거점</a:t>
+            </a:r>
+          </a:p>
+        </p:txBody>
+      </p:sp>
+      <p:sp>
+        <p:nvSpPr>
+          <p:cNvPr id="3" name="내용 개체 틀 2">
+            <a:extLst>
+              <a:ext uri="{FF2B5EF4-FFF2-40B4-BE49-F238E27FC236}">
+                <a16:creationId xmlns:a16="http://schemas.microsoft.com/office/drawing/2014/main" id="{8A13F9BC-D482-475E-AC05-1949DB863C6F}"/>
+              </a:ext>
+            </a:extLst>
+          </p:cNvPr>
+          <p:cNvSpPr>
+            <a:spLocks noGrp="1"/>
+          </p:cNvSpPr>
+          <p:nvPr>
+            <p:ph idx="1"/>
+          </p:nvPr>
+        </p:nvSpPr>
+        <p:spPr/>
+        <p:txBody>
+          <a:bodyPr/>
+          <a:lstStyle/>
+          <a:p>
+            <a:r>
+              <a:rPr lang="ko-KR" altLang="en-US" dirty="0"/>
+              <a:t>점수 거점은 </a:t>
+            </a:r>
+            <a:r>
+              <a:rPr lang="ko-KR" altLang="en-US" dirty="0" err="1"/>
+              <a:t>맵의</a:t>
+            </a:r>
+            <a:r>
+              <a:rPr lang="ko-KR" altLang="en-US" dirty="0"/>
+              <a:t> 홀수로 크기에 따라 수가 변화한다</a:t>
+            </a:r>
+            <a:r>
+              <a:rPr lang="en-US" altLang="ko-KR" dirty="0"/>
+              <a:t>.</a:t>
+            </a:r>
+          </a:p>
+          <a:p>
+            <a:r>
+              <a:rPr lang="ko-KR" altLang="en-US" dirty="0"/>
+              <a:t>점수는 더 많이 점령한 측만 점수를 얻는다</a:t>
+            </a:r>
+            <a:r>
+              <a:rPr lang="en-US" altLang="ko-KR" dirty="0"/>
+              <a:t>.</a:t>
+            </a:r>
+          </a:p>
+          <a:p>
+            <a:r>
+              <a:rPr lang="ko-KR" altLang="en-US" dirty="0"/>
+              <a:t>얻는 점수는 자신이 </a:t>
+            </a:r>
+            <a:r>
+              <a:rPr lang="en-US" altLang="ko-KR" dirty="0"/>
+              <a:t>“</a:t>
+            </a:r>
+            <a:r>
+              <a:rPr lang="ko-KR" altLang="en-US" dirty="0"/>
+              <a:t>점령한 수 </a:t>
+            </a:r>
+            <a:r>
+              <a:rPr lang="en-US" altLang="ko-KR" dirty="0"/>
+              <a:t>– </a:t>
+            </a:r>
+            <a:r>
+              <a:rPr lang="ko-KR" altLang="en-US" dirty="0"/>
+              <a:t>상대가 점령한 수</a:t>
+            </a:r>
+            <a:r>
+              <a:rPr lang="en-US" altLang="ko-KR" dirty="0"/>
+              <a:t>”</a:t>
+            </a:r>
+            <a:r>
+              <a:rPr lang="ko-KR" altLang="en-US" dirty="0"/>
+              <a:t>만큼 오른다</a:t>
+            </a:r>
+            <a:r>
+              <a:rPr lang="en-US" altLang="ko-KR" dirty="0"/>
+              <a:t>.</a:t>
+            </a:r>
+            <a:endParaRPr lang="ko-KR" altLang="en-US" dirty="0"/>
+          </a:p>
+        </p:txBody>
+      </p:sp>
+    </p:spTree>
+    <p:extLst>
+      <p:ext uri="{BB962C8B-B14F-4D97-AF65-F5344CB8AC3E}">
+        <p14:creationId xmlns:p14="http://schemas.microsoft.com/office/powerpoint/2010/main" val="2290632498"/>
       </p:ext>
     </p:extLst>
   </p:cSld>
